--- a/Artefacts/présentation/P5_06_presentation.pptx
+++ b/Artefacts/présentation/P5_06_presentation.pptx
@@ -983,7 +983,7 @@
       </p:grpSpPr>
       <p:sp>
         <p:nvSpPr>
-          <p:cNvPr id="428" name="Shape 428"/>
+          <p:cNvPr id="429" name="Shape 429"/>
           <p:cNvSpPr/>
           <p:nvPr>
             <p:ph type="sldImg"/>
@@ -1004,7 +1004,7 @@
       </p:sp>
       <p:sp>
         <p:nvSpPr>
-          <p:cNvPr id="429" name="Shape 429"/>
+          <p:cNvPr id="430" name="Shape 430"/>
           <p:cNvSpPr/>
           <p:nvPr>
             <p:ph type="body" sz="quarter" idx="1"/>
@@ -1152,7 +1152,7 @@
       </p:grpSpPr>
       <p:sp>
         <p:nvSpPr>
-          <p:cNvPr id="441" name="Shape 441"/>
+          <p:cNvPr id="442" name="Shape 442"/>
           <p:cNvSpPr/>
           <p:nvPr>
             <p:ph type="sldImg"/>
@@ -1173,7 +1173,7 @@
       </p:sp>
       <p:sp>
         <p:nvSpPr>
-          <p:cNvPr id="442" name="Shape 442"/>
+          <p:cNvPr id="443" name="Shape 443"/>
           <p:cNvSpPr/>
           <p:nvPr>
             <p:ph type="body" sz="quarter" idx="1"/>
@@ -1195,6 +1195,9 @@
           </a:p>
           <a:p>
             <a:pPr/>
+          </a:p>
+          <a:p>
+            <a:pPr/>
             <a:r>
               <a:t>Le comité de direction, composé de 5 personnes, ont en charge la gestion des processus le suivi de projet et soutient à l’innovation et l’expérimentation.</a:t>
             </a:r>
@@ -1205,7 +1208,7 @@
           <a:p>
             <a:pPr/>
             <a:r>
-              <a:t>On voit ensuite que 3 personnes sont en charges des processus d’ingénierie, gestion de config et analyse causale, Nat et les leaders des équipes techniques. </a:t>
+              <a:t>On voit ensuite que 3 personnes, Nat et les leaders des équipes techniques, sont en charges des processus d’ingénierie, gestion de config et analyse causale</a:t>
             </a:r>
           </a:p>
           <a:p>
@@ -1255,7 +1258,7 @@
       </p:grpSpPr>
       <p:sp>
         <p:nvSpPr>
-          <p:cNvPr id="450" name="Shape 450"/>
+          <p:cNvPr id="451" name="Shape 451"/>
           <p:cNvSpPr/>
           <p:nvPr>
             <p:ph type="sldImg"/>
@@ -1276,7 +1279,7 @@
       </p:sp>
       <p:sp>
         <p:nvSpPr>
-          <p:cNvPr id="451" name="Shape 451"/>
+          <p:cNvPr id="452" name="Shape 452"/>
           <p:cNvSpPr/>
           <p:nvPr>
             <p:ph type="body" sz="quarter" idx="1"/>
@@ -1406,7 +1409,7 @@
       </p:grpSpPr>
       <p:sp>
         <p:nvSpPr>
-          <p:cNvPr id="459" name="Shape 459"/>
+          <p:cNvPr id="460" name="Shape 460"/>
           <p:cNvSpPr/>
           <p:nvPr>
             <p:ph type="sldImg"/>
@@ -1427,7 +1430,7 @@
       </p:sp>
       <p:sp>
         <p:nvSpPr>
-          <p:cNvPr id="460" name="Shape 460"/>
+          <p:cNvPr id="461" name="Shape 461"/>
           <p:cNvSpPr/>
           <p:nvPr>
             <p:ph type="body" sz="quarter" idx="1"/>
@@ -1563,7 +1566,7 @@
       </p:grpSpPr>
       <p:sp>
         <p:nvSpPr>
-          <p:cNvPr id="467" name="Shape 467"/>
+          <p:cNvPr id="468" name="Shape 468"/>
           <p:cNvSpPr/>
           <p:nvPr>
             <p:ph type="sldImg"/>
@@ -1584,7 +1587,7 @@
       </p:sp>
       <p:sp>
         <p:nvSpPr>
-          <p:cNvPr id="468" name="Shape 468"/>
+          <p:cNvPr id="469" name="Shape 469"/>
           <p:cNvSpPr/>
           <p:nvPr>
             <p:ph type="body" sz="quarter" idx="1"/>
@@ -2256,7 +2259,7 @@
       </p:grpSpPr>
       <p:sp>
         <p:nvSpPr>
-          <p:cNvPr id="387" name="Shape 387"/>
+          <p:cNvPr id="388" name="Shape 388"/>
           <p:cNvSpPr/>
           <p:nvPr>
             <p:ph type="sldImg"/>
@@ -2277,7 +2280,7 @@
       </p:sp>
       <p:sp>
         <p:nvSpPr>
-          <p:cNvPr id="388" name="Shape 388"/>
+          <p:cNvPr id="389" name="Shape 389"/>
           <p:cNvSpPr/>
           <p:nvPr>
             <p:ph type="body" sz="quarter" idx="1"/>
@@ -2401,7 +2404,7 @@
       </p:grpSpPr>
       <p:sp>
         <p:nvSpPr>
-          <p:cNvPr id="396" name="Shape 396"/>
+          <p:cNvPr id="397" name="Shape 397"/>
           <p:cNvSpPr/>
           <p:nvPr>
             <p:ph type="sldImg"/>
@@ -2422,7 +2425,7 @@
       </p:sp>
       <p:sp>
         <p:nvSpPr>
-          <p:cNvPr id="397" name="Shape 397"/>
+          <p:cNvPr id="398" name="Shape 398"/>
           <p:cNvSpPr/>
           <p:nvPr>
             <p:ph type="body" sz="quarter" idx="1"/>
@@ -2576,7 +2579,7 @@
       </p:grpSpPr>
       <p:sp>
         <p:nvSpPr>
-          <p:cNvPr id="405" name="Shape 405"/>
+          <p:cNvPr id="406" name="Shape 406"/>
           <p:cNvSpPr/>
           <p:nvPr>
             <p:ph type="sldImg"/>
@@ -2597,7 +2600,7 @@
       </p:sp>
       <p:sp>
         <p:nvSpPr>
-          <p:cNvPr id="406" name="Shape 406"/>
+          <p:cNvPr id="407" name="Shape 407"/>
           <p:cNvSpPr/>
           <p:nvPr>
             <p:ph type="body" sz="quarter" idx="1"/>
@@ -6547,7 +6550,7 @@
       </p:grpSpPr>
       <p:pic>
         <p:nvPicPr>
-          <p:cNvPr id="408" name="Architecture Development Cycle.png" descr="Architecture Development Cycle.png"/>
+          <p:cNvPr id="409" name="Architecture Development Cycle.png" descr="Architecture Development Cycle.png"/>
           <p:cNvPicPr>
             <a:picLocks noChangeAspect="1"/>
           </p:cNvPicPr>
@@ -6577,7 +6580,7 @@
       </p:pic>
       <p:sp>
         <p:nvSpPr>
-          <p:cNvPr id="409" name="Numéro de diapositive"/>
+          <p:cNvPr id="410" name="Numéro de diapositive"/>
           <p:cNvSpPr txBox="1"/>
           <p:nvPr>
             <p:ph type="sldNum" sz="quarter" idx="2"/>
@@ -6604,7 +6607,7 @@
       </p:sp>
       <p:grpSp>
         <p:nvGrpSpPr>
-          <p:cNvPr id="413" name="Groupe"/>
+          <p:cNvPr id="414" name="Groupe"/>
           <p:cNvGrpSpPr/>
           <p:nvPr/>
         </p:nvGrpSpPr>
@@ -6618,7 +6621,7 @@
         </p:grpSpPr>
         <p:pic>
           <p:nvPicPr>
-            <p:cNvPr id="410" name="Image" descr="Image"/>
+            <p:cNvPr id="411" name="Image" descr="Image"/>
             <p:cNvPicPr>
               <a:picLocks noChangeAspect="1"/>
             </p:cNvPicPr>
@@ -6649,7 +6652,7 @@
         </p:pic>
         <p:pic>
           <p:nvPicPr>
-            <p:cNvPr id="411" name="Image" descr="Image"/>
+            <p:cNvPr id="412" name="Image" descr="Image"/>
             <p:cNvPicPr>
               <a:picLocks noChangeAspect="1"/>
             </p:cNvPicPr>
@@ -6680,7 +6683,7 @@
         </p:pic>
         <p:sp>
           <p:nvSpPr>
-            <p:cNvPr id="412" name="Process d’architecture"/>
+            <p:cNvPr id="413" name="Process d’architecture"/>
             <p:cNvSpPr txBox="1"/>
             <p:nvPr/>
           </p:nvSpPr>
@@ -6731,7 +6734,7 @@
       </p:grpSp>
       <p:grpSp>
         <p:nvGrpSpPr>
-          <p:cNvPr id="418" name="Groupe"/>
+          <p:cNvPr id="419" name="Groupe"/>
           <p:cNvGrpSpPr/>
           <p:nvPr/>
         </p:nvGrpSpPr>
@@ -6745,7 +6748,7 @@
         </p:grpSpPr>
         <p:graphicFrame>
           <p:nvGraphicFramePr>
-            <p:cNvPr id="414" name="Tableau"/>
+            <p:cNvPr id="415" name="Tableau"/>
             <p:cNvGraphicFramePr/>
             <p:nvPr/>
           </p:nvGraphicFramePr>
@@ -7130,7 +7133,7 @@
         </p:graphicFrame>
         <p:pic>
           <p:nvPicPr>
-            <p:cNvPr id="415" name="Ovale Ovale" descr="Ovale Ovale"/>
+            <p:cNvPr id="416" name="Ovale Ovale" descr="Ovale Ovale"/>
             <p:cNvPicPr>
               <a:picLocks noChangeAspect="0"/>
             </p:cNvPicPr>
@@ -7157,7 +7160,7 @@
         </p:pic>
         <p:pic>
           <p:nvPicPr>
-            <p:cNvPr id="424" name="Ligne de connexion" descr="Ligne de connexion"/>
+            <p:cNvPr id="425" name="Ligne de connexion" descr="Ligne de connexion"/>
             <p:cNvPicPr>
               <a:picLocks noChangeAspect="0"/>
             </p:cNvPicPr>
@@ -7185,7 +7188,7 @@
       </p:grpSp>
       <p:grpSp>
         <p:nvGrpSpPr>
-          <p:cNvPr id="423" name="Groupe"/>
+          <p:cNvPr id="424" name="Groupe"/>
           <p:cNvGrpSpPr/>
           <p:nvPr/>
         </p:nvGrpSpPr>
@@ -7199,7 +7202,7 @@
         </p:grpSpPr>
         <p:graphicFrame>
           <p:nvGraphicFramePr>
-            <p:cNvPr id="419" name="Tableau"/>
+            <p:cNvPr id="420" name="Tableau"/>
             <p:cNvGraphicFramePr/>
             <p:nvPr/>
           </p:nvGraphicFramePr>
@@ -7361,7 +7364,7 @@
         </p:graphicFrame>
         <p:pic>
           <p:nvPicPr>
-            <p:cNvPr id="420" name="Ovale Ovale" descr="Ovale Ovale"/>
+            <p:cNvPr id="421" name="Ovale Ovale" descr="Ovale Ovale"/>
             <p:cNvPicPr>
               <a:picLocks noChangeAspect="0"/>
             </p:cNvPicPr>
@@ -7388,7 +7391,7 @@
         </p:pic>
         <p:pic>
           <p:nvPicPr>
-            <p:cNvPr id="426" name="Ligne de connexion" descr="Ligne de connexion"/>
+            <p:cNvPr id="427" name="Ligne de connexion" descr="Ligne de connexion"/>
             <p:cNvPicPr>
               <a:picLocks noChangeAspect="0"/>
             </p:cNvPicPr>
@@ -7453,7 +7456,7 @@
                                       <p:cBhvr>
                                         <p:cTn id="6" fill="hold"/>
                                         <p:tgtEl>
-                                          <p:spTgt spid="418"/>
+                                          <p:spTgt spid="419"/>
                                         </p:tgtEl>
                                         <p:attrNameLst>
                                           <p:attrName>style.visibility</p:attrName>
@@ -7497,7 +7500,7 @@
                                       <p:cBhvr>
                                         <p:cTn id="10" fill="hold"/>
                                         <p:tgtEl>
-                                          <p:spTgt spid="423"/>
+                                          <p:spTgt spid="424"/>
                                         </p:tgtEl>
                                         <p:attrNameLst>
                                           <p:attrName>style.visibility</p:attrName>
@@ -7538,8 +7541,8 @@
       </p:par>
     </p:tnLst>
     <p:bldLst>
-      <p:bldP build="whole" bldLvl="1" animBg="1" rev="0" advAuto="0" spid="418" grpId="1"/>
-      <p:bldP build="whole" bldLvl="1" animBg="1" rev="0" advAuto="0" spid="423" grpId="2"/>
+      <p:bldP build="whole" bldLvl="1" animBg="1" rev="0" advAuto="0" spid="419" grpId="1"/>
+      <p:bldP build="whole" bldLvl="1" animBg="1" rev="0" advAuto="0" spid="424" grpId="2"/>
     </p:bldLst>
   </p:timing>
 </p:sld>
@@ -7564,7 +7567,7 @@
       </p:grpSpPr>
       <p:sp>
         <p:nvSpPr>
-          <p:cNvPr id="431" name="Numéro de diapositive"/>
+          <p:cNvPr id="432" name="Numéro de diapositive"/>
           <p:cNvSpPr txBox="1"/>
           <p:nvPr>
             <p:ph type="sldNum" sz="quarter" idx="2"/>
@@ -7591,7 +7594,7 @@
       </p:sp>
       <p:grpSp>
         <p:nvGrpSpPr>
-          <p:cNvPr id="435" name="Groupe"/>
+          <p:cNvPr id="436" name="Groupe"/>
           <p:cNvGrpSpPr/>
           <p:nvPr/>
         </p:nvGrpSpPr>
@@ -7605,7 +7608,7 @@
         </p:grpSpPr>
         <p:pic>
           <p:nvPicPr>
-            <p:cNvPr id="432" name="Image" descr="Image"/>
+            <p:cNvPr id="433" name="Image" descr="Image"/>
             <p:cNvPicPr>
               <a:picLocks noChangeAspect="1"/>
             </p:cNvPicPr>
@@ -7636,7 +7639,7 @@
         </p:pic>
         <p:pic>
           <p:nvPicPr>
-            <p:cNvPr id="433" name="Image" descr="Image"/>
+            <p:cNvPr id="434" name="Image" descr="Image"/>
             <p:cNvPicPr>
               <a:picLocks noChangeAspect="1"/>
             </p:cNvPicPr>
@@ -7667,7 +7670,7 @@
         </p:pic>
         <p:sp>
           <p:nvSpPr>
-            <p:cNvPr id="434" name="Rôles et responsabilités"/>
+            <p:cNvPr id="435" name="Rôles et responsabilités"/>
             <p:cNvSpPr txBox="1"/>
             <p:nvPr/>
           </p:nvSpPr>
@@ -7718,7 +7721,7 @@
       </p:grpSp>
       <p:graphicFrame>
         <p:nvGraphicFramePr>
-          <p:cNvPr id="436" name="Tableau"/>
+          <p:cNvPr id="437" name="Tableau"/>
           <p:cNvGraphicFramePr/>
           <p:nvPr/>
         </p:nvGraphicFramePr>
@@ -14954,7 +14957,7 @@
       </p:graphicFrame>
       <p:sp>
         <p:nvSpPr>
-          <p:cNvPr id="437" name="Rectangle"/>
+          <p:cNvPr id="438" name="Rectangle"/>
           <p:cNvSpPr/>
           <p:nvPr/>
         </p:nvSpPr>
@@ -14995,7 +14998,7 @@
       </p:sp>
       <p:sp>
         <p:nvSpPr>
-          <p:cNvPr id="438" name="Rectangle"/>
+          <p:cNvPr id="439" name="Rectangle"/>
           <p:cNvSpPr/>
           <p:nvPr/>
         </p:nvSpPr>
@@ -15034,7 +15037,7 @@
       </p:sp>
       <p:sp>
         <p:nvSpPr>
-          <p:cNvPr id="439" name="Rectangle"/>
+          <p:cNvPr id="440" name="Rectangle"/>
           <p:cNvSpPr/>
           <p:nvPr/>
         </p:nvSpPr>
@@ -15073,7 +15076,7 @@
       </p:sp>
       <p:sp>
         <p:nvSpPr>
-          <p:cNvPr id="440" name="Rectangle"/>
+          <p:cNvPr id="441" name="Rectangle"/>
           <p:cNvSpPr/>
           <p:nvPr/>
         </p:nvSpPr>
@@ -15155,7 +15158,7 @@
                                           </p:stCondLst>
                                         </p:cTn>
                                         <p:tgtEl>
-                                          <p:spTgt spid="438"/>
+                                          <p:spTgt spid="439"/>
                                         </p:tgtEl>
                                         <p:attrNameLst>
                                           <p:attrName>style.visibility</p:attrName>
@@ -15190,7 +15193,7 @@
                                       <p:cBhvr>
                                         <p:cTn id="9" fill="hold"/>
                                         <p:tgtEl>
-                                          <p:spTgt spid="437"/>
+                                          <p:spTgt spid="438"/>
                                         </p:tgtEl>
                                         <p:attrNameLst>
                                           <p:attrName>style.visibility</p:attrName>
@@ -15238,7 +15241,7 @@
                                           </p:stCondLst>
                                         </p:cTn>
                                         <p:tgtEl>
-                                          <p:spTgt spid="439"/>
+                                          <p:spTgt spid="440"/>
                                         </p:tgtEl>
                                         <p:attrNameLst>
                                           <p:attrName>style.visibility</p:attrName>
@@ -15273,7 +15276,7 @@
                                       <p:cBhvr>
                                         <p:cTn id="16" fill="hold"/>
                                         <p:tgtEl>
-                                          <p:spTgt spid="440"/>
+                                          <p:spTgt spid="441"/>
                                         </p:tgtEl>
                                         <p:attrNameLst>
                                           <p:attrName>style.visibility</p:attrName>
@@ -15314,10 +15317,10 @@
       </p:par>
     </p:tnLst>
     <p:bldLst>
-      <p:bldP build="whole" bldLvl="1" animBg="1" rev="0" advAuto="0" spid="438" grpId="1"/>
-      <p:bldP build="whole" bldLvl="1" animBg="1" rev="0" advAuto="0" spid="439" grpId="3"/>
-      <p:bldP build="whole" bldLvl="1" animBg="1" rev="0" advAuto="0" spid="437" grpId="2"/>
-      <p:bldP build="whole" bldLvl="1" animBg="1" rev="0" advAuto="0" spid="440" grpId="4"/>
+      <p:bldP build="whole" bldLvl="1" animBg="1" rev="0" advAuto="0" spid="440" grpId="3"/>
+      <p:bldP build="whole" bldLvl="1" animBg="1" rev="0" advAuto="0" spid="438" grpId="2"/>
+      <p:bldP build="whole" bldLvl="1" animBg="1" rev="0" advAuto="0" spid="441" grpId="4"/>
+      <p:bldP build="whole" bldLvl="1" animBg="1" rev="0" advAuto="0" spid="439" grpId="1"/>
     </p:bldLst>
   </p:timing>
 </p:sld>
@@ -15342,7 +15345,7 @@
       </p:grpSpPr>
       <p:grpSp>
         <p:nvGrpSpPr>
-          <p:cNvPr id="447" name="Groupe"/>
+          <p:cNvPr id="448" name="Groupe"/>
           <p:cNvGrpSpPr/>
           <p:nvPr/>
         </p:nvGrpSpPr>
@@ -15356,7 +15359,7 @@
         </p:grpSpPr>
         <p:pic>
           <p:nvPicPr>
-            <p:cNvPr id="444" name="Image" descr="Image"/>
+            <p:cNvPr id="445" name="Image" descr="Image"/>
             <p:cNvPicPr>
               <a:picLocks noChangeAspect="1"/>
             </p:cNvPicPr>
@@ -15387,7 +15390,7 @@
         </p:pic>
         <p:pic>
           <p:nvPicPr>
-            <p:cNvPr id="445" name="Image" descr="Image"/>
+            <p:cNvPr id="446" name="Image" descr="Image"/>
             <p:cNvPicPr>
               <a:picLocks noChangeAspect="1"/>
             </p:cNvPicPr>
@@ -15418,7 +15421,7 @@
         </p:pic>
         <p:sp>
           <p:nvSpPr>
-            <p:cNvPr id="446" name="Mesure du succès"/>
+            <p:cNvPr id="447" name="Mesure du succès"/>
             <p:cNvSpPr txBox="1"/>
             <p:nvPr/>
           </p:nvSpPr>
@@ -15466,7 +15469,7 @@
       </p:grpSp>
       <p:sp>
         <p:nvSpPr>
-          <p:cNvPr id="448" name="Numéro de diapositive"/>
+          <p:cNvPr id="449" name="Numéro de diapositive"/>
           <p:cNvSpPr txBox="1"/>
           <p:nvPr>
             <p:ph type="sldNum" sz="quarter" idx="2"/>
@@ -15493,7 +15496,7 @@
       </p:sp>
       <p:pic>
         <p:nvPicPr>
-          <p:cNvPr id="449" name="sla slo sli.png" descr="sla slo sli.png"/>
+          <p:cNvPr id="450" name="sla slo sli.png" descr="sla slo sli.png"/>
           <p:cNvPicPr>
             <a:picLocks noChangeAspect="1"/>
           </p:cNvPicPr>
@@ -15549,7 +15552,7 @@
       </p:grpSpPr>
       <p:pic>
         <p:nvPicPr>
-          <p:cNvPr id="453" name="roadmap5.png" descr="roadmap5.png"/>
+          <p:cNvPr id="454" name="roadmap5.png" descr="roadmap5.png"/>
           <p:cNvPicPr>
             <a:picLocks noChangeAspect="1"/>
           </p:cNvPicPr>
@@ -15578,7 +15581,7 @@
       </p:pic>
       <p:sp>
         <p:nvSpPr>
-          <p:cNvPr id="454" name="Numéro de diapositive"/>
+          <p:cNvPr id="455" name="Numéro de diapositive"/>
           <p:cNvSpPr txBox="1"/>
           <p:nvPr>
             <p:ph type="sldNum" sz="quarter" idx="2"/>
@@ -15605,7 +15608,7 @@
       </p:sp>
       <p:grpSp>
         <p:nvGrpSpPr>
-          <p:cNvPr id="458" name="Groupe"/>
+          <p:cNvPr id="459" name="Groupe"/>
           <p:cNvGrpSpPr/>
           <p:nvPr/>
         </p:nvGrpSpPr>
@@ -15619,7 +15622,7 @@
         </p:grpSpPr>
         <p:pic>
           <p:nvPicPr>
-            <p:cNvPr id="455" name="Image" descr="Image"/>
+            <p:cNvPr id="456" name="Image" descr="Image"/>
             <p:cNvPicPr>
               <a:picLocks noChangeAspect="1"/>
             </p:cNvPicPr>
@@ -15650,7 +15653,7 @@
         </p:pic>
         <p:pic>
           <p:nvPicPr>
-            <p:cNvPr id="456" name="Image" descr="Image"/>
+            <p:cNvPr id="457" name="Image" descr="Image"/>
             <p:cNvPicPr>
               <a:picLocks noChangeAspect="1"/>
             </p:cNvPicPr>
@@ -15681,7 +15684,7 @@
         </p:pic>
         <p:sp>
           <p:nvSpPr>
-            <p:cNvPr id="457" name="Roadmap"/>
+            <p:cNvPr id="458" name="Roadmap"/>
             <p:cNvSpPr txBox="1"/>
             <p:nvPr/>
           </p:nvSpPr>
@@ -15755,7 +15758,7 @@
       </p:grpSpPr>
       <p:grpSp>
         <p:nvGrpSpPr>
-          <p:cNvPr id="465" name="Groupe"/>
+          <p:cNvPr id="466" name="Groupe"/>
           <p:cNvGrpSpPr/>
           <p:nvPr/>
         </p:nvGrpSpPr>
@@ -15769,7 +15772,7 @@
         </p:grpSpPr>
         <p:pic>
           <p:nvPicPr>
-            <p:cNvPr id="462" name="Image" descr="Image"/>
+            <p:cNvPr id="463" name="Image" descr="Image"/>
             <p:cNvPicPr>
               <a:picLocks noChangeAspect="1"/>
             </p:cNvPicPr>
@@ -15800,7 +15803,7 @@
         </p:pic>
         <p:pic>
           <p:nvPicPr>
-            <p:cNvPr id="463" name="Image" descr="Image"/>
+            <p:cNvPr id="464" name="Image" descr="Image"/>
             <p:cNvPicPr>
               <a:picLocks noChangeAspect="1"/>
             </p:cNvPicPr>
@@ -15831,7 +15834,7 @@
         </p:pic>
         <p:sp>
           <p:nvSpPr>
-            <p:cNvPr id="464" name="Q/R"/>
+            <p:cNvPr id="465" name="Q/R"/>
             <p:cNvSpPr txBox="1"/>
             <p:nvPr/>
           </p:nvSpPr>
@@ -15883,7 +15886,7 @@
       </p:grpSp>
       <p:sp>
         <p:nvSpPr>
-          <p:cNvPr id="466" name="Numéro de diapositive"/>
+          <p:cNvPr id="467" name="Numéro de diapositive"/>
           <p:cNvSpPr txBox="1"/>
           <p:nvPr>
             <p:ph type="sldNum" sz="quarter" idx="2"/>
@@ -17073,10 +17076,10 @@
     </p:tnLst>
     <p:bldLst>
       <p:bldP build="whole" bldLvl="1" animBg="1" rev="0" advAuto="0" spid="181" grpId="5"/>
+      <p:bldP build="whole" bldLvl="1" animBg="1" rev="0" advAuto="0" spid="182" grpId="6"/>
+      <p:bldP build="whole" bldLvl="1" animBg="1" rev="0" advAuto="0" spid="170" grpId="3"/>
       <p:bldP build="whole" bldLvl="1" animBg="1" rev="0" advAuto="0" spid="164" grpId="1"/>
-      <p:bldP build="whole" bldLvl="1" animBg="1" rev="0" advAuto="0" spid="182" grpId="6"/>
       <p:bldP build="whole" bldLvl="1" animBg="1" rev="0" advAuto="0" spid="174" grpId="4"/>
-      <p:bldP build="whole" bldLvl="1" animBg="1" rev="0" advAuto="0" spid="170" grpId="3"/>
     </p:bldLst>
   </p:timing>
 </p:sld>
@@ -17973,10 +17976,10 @@
       </p:par>
     </p:tnLst>
     <p:bldLst>
+      <p:bldP build="whole" bldLvl="1" animBg="1" rev="0" advAuto="0" spid="203" grpId="2"/>
+      <p:bldP build="whole" bldLvl="1" animBg="1" rev="0" advAuto="0" spid="201" grpId="1"/>
+      <p:bldP build="whole" bldLvl="1" animBg="1" rev="0" advAuto="0" spid="200" grpId="4"/>
       <p:bldP build="whole" bldLvl="1" animBg="1" rev="0" advAuto="0" spid="202" grpId="3"/>
-      <p:bldP build="whole" bldLvl="1" animBg="1" rev="0" advAuto="0" spid="201" grpId="1"/>
-      <p:bldP build="whole" bldLvl="1" animBg="1" rev="0" advAuto="0" spid="203" grpId="2"/>
-      <p:bldP build="whole" bldLvl="1" animBg="1" rev="0" advAuto="0" spid="200" grpId="4"/>
     </p:bldLst>
   </p:timing>
 </p:sld>
@@ -21388,7 +21391,7 @@
       </p:sp>
       <p:pic>
         <p:nvPicPr>
-          <p:cNvPr id="383" name="cas d utilisation metier1.png" descr="cas d utilisation metier1.png"/>
+          <p:cNvPr id="383" name="cas d utilisation metier4.png" descr="cas d utilisation metier4.png"/>
           <p:cNvPicPr>
             <a:picLocks noChangeAspect="1"/>
           </p:cNvPicPr>
@@ -21403,10 +21406,6 @@
           </a:stretch>
         </p:blipFill>
         <p:spPr>
-          <a:xfrm>
-            <a:off x="922797" y="193397"/>
-            <a:ext cx="13206403" cy="9366806"/>
-          </a:xfrm>
           <a:prstGeom prst="rect">
             <a:avLst/>
           </a:prstGeom>
@@ -21417,7 +21416,7 @@
       </p:pic>
       <p:pic>
         <p:nvPicPr>
-          <p:cNvPr id="384" name="cas d utilisation metier2.png" descr="cas d utilisation metier2.png"/>
+          <p:cNvPr id="384" name="cas d utilisation metier1.png" descr="cas d utilisation metier1.png"/>
           <p:cNvPicPr>
             <a:picLocks noChangeAspect="1"/>
           </p:cNvPicPr>
@@ -21434,7 +21433,7 @@
         <p:spPr>
           <a:xfrm>
             <a:off x="927100" y="190500"/>
-            <a:ext cx="13208001" cy="9367939"/>
+            <a:ext cx="13208000" cy="9367939"/>
           </a:xfrm>
           <a:prstGeom prst="rect">
             <a:avLst/>
@@ -21446,7 +21445,7 @@
       </p:pic>
       <p:pic>
         <p:nvPicPr>
-          <p:cNvPr id="385" name="cas d utilisation metier3.png" descr="cas d utilisation metier3.png"/>
+          <p:cNvPr id="385" name="cas d utilisation metier2.png" descr="cas d utilisation metier2.png"/>
           <p:cNvPicPr>
             <a:picLocks noChangeAspect="1"/>
           </p:cNvPicPr>
@@ -21475,7 +21474,7 @@
       </p:pic>
       <p:pic>
         <p:nvPicPr>
-          <p:cNvPr id="386" name="cas d utilisation metier4.png" descr="cas d utilisation metier4.png"/>
+          <p:cNvPr id="386" name="cas d utilisation metier3.png" descr="cas d utilisation metier3.png"/>
           <p:cNvPicPr>
             <a:picLocks noChangeAspect="1"/>
           </p:cNvPicPr>
@@ -21492,7 +21491,36 @@
         <p:spPr>
           <a:xfrm>
             <a:off x="927100" y="190500"/>
-            <a:ext cx="13208000" cy="9367938"/>
+            <a:ext cx="13208000" cy="9367939"/>
+          </a:xfrm>
+          <a:prstGeom prst="rect">
+            <a:avLst/>
+          </a:prstGeom>
+          <a:ln w="12700">
+            <a:miter lim="400000"/>
+          </a:ln>
+        </p:spPr>
+      </p:pic>
+      <p:pic>
+        <p:nvPicPr>
+          <p:cNvPr id="387" name="cas d utilisation metier4.png" descr="cas d utilisation metier4.png"/>
+          <p:cNvPicPr>
+            <a:picLocks noChangeAspect="1"/>
+          </p:cNvPicPr>
+          <p:nvPr/>
+        </p:nvPicPr>
+        <p:blipFill>
+          <a:blip r:embed="rId9">
+            <a:extLst/>
+          </a:blip>
+          <a:stretch>
+            <a:fillRect/>
+          </a:stretch>
+        </p:blipFill>
+        <p:spPr>
+          <a:xfrm>
+            <a:off x="927100" y="190500"/>
+            <a:ext cx="13208000" cy="9367939"/>
           </a:xfrm>
           <a:prstGeom prst="rect">
             <a:avLst/>
@@ -21520,6 +21548,9 @@
                     <p:cTn id="3" fill="hold">
                       <p:stCondLst>
                         <p:cond delay="indefinite"/>
+                        <p:cond evt="onBegin">
+                          <p:tn val="2"/>
+                        </p:cond>
                       </p:stCondLst>
                       <p:childTnLst>
                         <p:par>
@@ -21529,7 +21560,7 @@
                             </p:stCondLst>
                             <p:childTnLst>
                               <p:par>
-                                <p:cTn id="5" presetClass="exit" nodeType="clickEffect" presetSubtype="0" presetID="1" grpId="1" fill="hold">
+                                <p:cTn id="5" presetClass="entr" nodeType="afterEffect" presetSubtype="0" presetID="1" grpId="1" fill="hold">
                                   <p:stCondLst>
                                     <p:cond delay="0"/>
                                   </p:stCondLst>
@@ -21539,214 +21570,9 @@
                                   <p:childTnLst>
                                     <p:set>
                                       <p:cBhvr>
-                                        <p:cTn id="6" fill="hold">
-                                          <p:stCondLst>
-                                            <p:cond delay="0"/>
-                                          </p:stCondLst>
-                                        </p:cTn>
+                                        <p:cTn id="6" fill="hold"/>
                                         <p:tgtEl>
                                           <p:spTgt spid="383"/>
-                                        </p:tgtEl>
-                                        <p:attrNameLst>
-                                          <p:attrName>style.visibility</p:attrName>
-                                        </p:attrNameLst>
-                                      </p:cBhvr>
-                                      <p:to>
-                                        <p:strVal val="hidden"/>
-                                      </p:to>
-                                    </p:set>
-                                  </p:childTnLst>
-                                </p:cTn>
-                              </p:par>
-                            </p:childTnLst>
-                          </p:cTn>
-                        </p:par>
-                        <p:par>
-                          <p:cTn id="7" fill="hold">
-                            <p:stCondLst>
-                              <p:cond delay="0"/>
-                            </p:stCondLst>
-                            <p:childTnLst>
-                              <p:par>
-                                <p:cTn id="8" presetClass="entr" nodeType="afterEffect" presetSubtype="0" presetID="1" grpId="2" fill="hold">
-                                  <p:stCondLst>
-                                    <p:cond delay="0"/>
-                                  </p:stCondLst>
-                                  <p:iterate type="el" backwards="0">
-                                    <p:tmAbs val="0"/>
-                                  </p:iterate>
-                                  <p:childTnLst>
-                                    <p:set>
-                                      <p:cBhvr>
-                                        <p:cTn id="9" fill="hold"/>
-                                        <p:tgtEl>
-                                          <p:spTgt spid="384"/>
-                                        </p:tgtEl>
-                                        <p:attrNameLst>
-                                          <p:attrName>style.visibility</p:attrName>
-                                        </p:attrNameLst>
-                                      </p:cBhvr>
-                                      <p:to>
-                                        <p:strVal val="visible"/>
-                                      </p:to>
-                                    </p:set>
-                                  </p:childTnLst>
-                                </p:cTn>
-                              </p:par>
-                            </p:childTnLst>
-                          </p:cTn>
-                        </p:par>
-                      </p:childTnLst>
-                    </p:cTn>
-                  </p:par>
-                  <p:par>
-                    <p:cTn id="10" fill="hold">
-                      <p:stCondLst>
-                        <p:cond delay="indefinite"/>
-                      </p:stCondLst>
-                      <p:childTnLst>
-                        <p:par>
-                          <p:cTn id="11" fill="hold">
-                            <p:stCondLst>
-                              <p:cond delay="0"/>
-                            </p:stCondLst>
-                            <p:childTnLst>
-                              <p:par>
-                                <p:cTn id="12" presetClass="exit" nodeType="clickEffect" presetSubtype="0" presetID="1" grpId="3" fill="hold">
-                                  <p:stCondLst>
-                                    <p:cond delay="0"/>
-                                  </p:stCondLst>
-                                  <p:iterate type="el" backwards="0">
-                                    <p:tmAbs val="0"/>
-                                  </p:iterate>
-                                  <p:childTnLst>
-                                    <p:set>
-                                      <p:cBhvr>
-                                        <p:cTn id="13" fill="hold">
-                                          <p:stCondLst>
-                                            <p:cond delay="0"/>
-                                          </p:stCondLst>
-                                        </p:cTn>
-                                        <p:tgtEl>
-                                          <p:spTgt spid="384"/>
-                                        </p:tgtEl>
-                                        <p:attrNameLst>
-                                          <p:attrName>style.visibility</p:attrName>
-                                        </p:attrNameLst>
-                                      </p:cBhvr>
-                                      <p:to>
-                                        <p:strVal val="hidden"/>
-                                      </p:to>
-                                    </p:set>
-                                  </p:childTnLst>
-                                </p:cTn>
-                              </p:par>
-                            </p:childTnLst>
-                          </p:cTn>
-                        </p:par>
-                        <p:par>
-                          <p:cTn id="14" fill="hold">
-                            <p:stCondLst>
-                              <p:cond delay="0"/>
-                            </p:stCondLst>
-                            <p:childTnLst>
-                              <p:par>
-                                <p:cTn id="15" presetClass="entr" nodeType="afterEffect" presetSubtype="0" presetID="1" grpId="4" fill="hold">
-                                  <p:stCondLst>
-                                    <p:cond delay="0"/>
-                                  </p:stCondLst>
-                                  <p:iterate type="el" backwards="0">
-                                    <p:tmAbs val="0"/>
-                                  </p:iterate>
-                                  <p:childTnLst>
-                                    <p:set>
-                                      <p:cBhvr>
-                                        <p:cTn id="16" fill="hold"/>
-                                        <p:tgtEl>
-                                          <p:spTgt spid="385"/>
-                                        </p:tgtEl>
-                                        <p:attrNameLst>
-                                          <p:attrName>style.visibility</p:attrName>
-                                        </p:attrNameLst>
-                                      </p:cBhvr>
-                                      <p:to>
-                                        <p:strVal val="visible"/>
-                                      </p:to>
-                                    </p:set>
-                                  </p:childTnLst>
-                                </p:cTn>
-                              </p:par>
-                            </p:childTnLst>
-                          </p:cTn>
-                        </p:par>
-                      </p:childTnLst>
-                    </p:cTn>
-                  </p:par>
-                  <p:par>
-                    <p:cTn id="17" fill="hold">
-                      <p:stCondLst>
-                        <p:cond delay="indefinite"/>
-                      </p:stCondLst>
-                      <p:childTnLst>
-                        <p:par>
-                          <p:cTn id="18" fill="hold">
-                            <p:stCondLst>
-                              <p:cond delay="0"/>
-                            </p:stCondLst>
-                            <p:childTnLst>
-                              <p:par>
-                                <p:cTn id="19" presetClass="exit" nodeType="clickEffect" presetSubtype="0" presetID="1" grpId="5" fill="hold">
-                                  <p:stCondLst>
-                                    <p:cond delay="0"/>
-                                  </p:stCondLst>
-                                  <p:iterate type="el" backwards="0">
-                                    <p:tmAbs val="0"/>
-                                  </p:iterate>
-                                  <p:childTnLst>
-                                    <p:set>
-                                      <p:cBhvr>
-                                        <p:cTn id="20" fill="hold">
-                                          <p:stCondLst>
-                                            <p:cond delay="0"/>
-                                          </p:stCondLst>
-                                        </p:cTn>
-                                        <p:tgtEl>
-                                          <p:spTgt spid="385"/>
-                                        </p:tgtEl>
-                                        <p:attrNameLst>
-                                          <p:attrName>style.visibility</p:attrName>
-                                        </p:attrNameLst>
-                                      </p:cBhvr>
-                                      <p:to>
-                                        <p:strVal val="hidden"/>
-                                      </p:to>
-                                    </p:set>
-                                  </p:childTnLst>
-                                </p:cTn>
-                              </p:par>
-                            </p:childTnLst>
-                          </p:cTn>
-                        </p:par>
-                        <p:par>
-                          <p:cTn id="21" fill="hold">
-                            <p:stCondLst>
-                              <p:cond delay="0"/>
-                            </p:stCondLst>
-                            <p:childTnLst>
-                              <p:par>
-                                <p:cTn id="22" presetClass="entr" nodeType="afterEffect" presetSubtype="0" presetID="1" grpId="6" fill="hold">
-                                  <p:stCondLst>
-                                    <p:cond delay="0"/>
-                                  </p:stCondLst>
-                                  <p:iterate type="el" backwards="0">
-                                    <p:tmAbs val="0"/>
-                                  </p:iterate>
-                                  <p:childTnLst>
-                                    <p:set>
-                                      <p:cBhvr>
-                                        <p:cTn id="23" fill="hold"/>
-                                        <p:tgtEl>
-                                          <p:spTgt spid="386"/>
                                         </p:tgtEl>
                                         <p:attrNameLst>
                                           <p:attrName>style.visibility</p:attrName>
@@ -21787,11 +21613,6 @@
       </p:par>
     </p:tnLst>
     <p:bldLst>
-      <p:bldP build="whole" bldLvl="1" animBg="1" rev="0" advAuto="0" spid="384" grpId="2"/>
-      <p:bldP build="whole" bldLvl="1" animBg="1" rev="0" advAuto="0" spid="384" grpId="3"/>
-      <p:bldP build="whole" bldLvl="1" animBg="1" rev="0" advAuto="0" spid="385" grpId="4"/>
-      <p:bldP build="whole" bldLvl="1" animBg="1" rev="0" advAuto="0" spid="385" grpId="5"/>
-      <p:bldP build="whole" bldLvl="1" animBg="1" rev="0" advAuto="0" spid="386" grpId="6"/>
       <p:bldP build="whole" bldLvl="1" animBg="1" rev="0" advAuto="0" spid="383" grpId="1"/>
     </p:bldLst>
   </p:timing>
@@ -21817,7 +21638,7 @@
       </p:grpSpPr>
       <p:grpSp>
         <p:nvGrpSpPr>
-          <p:cNvPr id="393" name="Groupe"/>
+          <p:cNvPr id="394" name="Groupe"/>
           <p:cNvGrpSpPr/>
           <p:nvPr/>
         </p:nvGrpSpPr>
@@ -21831,7 +21652,7 @@
         </p:grpSpPr>
         <p:pic>
           <p:nvPicPr>
-            <p:cNvPr id="390" name="Image" descr="Image"/>
+            <p:cNvPr id="391" name="Image" descr="Image"/>
             <p:cNvPicPr>
               <a:picLocks noChangeAspect="1"/>
             </p:cNvPicPr>
@@ -21862,7 +21683,7 @@
         </p:pic>
         <p:pic>
           <p:nvPicPr>
-            <p:cNvPr id="391" name="Image" descr="Image"/>
+            <p:cNvPr id="392" name="Image" descr="Image"/>
             <p:cNvPicPr>
               <a:picLocks noChangeAspect="1"/>
             </p:cNvPicPr>
@@ -21893,7 +21714,7 @@
         </p:pic>
         <p:sp>
           <p:nvSpPr>
-            <p:cNvPr id="392" name="Architecture…"/>
+            <p:cNvPr id="393" name="Architecture…"/>
             <p:cNvSpPr txBox="1"/>
             <p:nvPr/>
           </p:nvSpPr>
@@ -21957,7 +21778,7 @@
       </p:grpSp>
       <p:sp>
         <p:nvSpPr>
-          <p:cNvPr id="394" name="Numéro de diapositive"/>
+          <p:cNvPr id="395" name="Numéro de diapositive"/>
           <p:cNvSpPr txBox="1"/>
           <p:nvPr>
             <p:ph type="sldNum" sz="quarter" idx="2"/>
@@ -21988,7 +21809,7 @@
       </p:sp>
       <p:pic>
         <p:nvPicPr>
-          <p:cNvPr id="395" name="Groupe" descr="Groupe"/>
+          <p:cNvPr id="396" name="Groupe" descr="Groupe"/>
           <p:cNvPicPr>
             <a:picLocks noChangeAspect="1"/>
           </p:cNvPicPr>
@@ -22044,7 +21865,7 @@
       </p:grpSpPr>
       <p:grpSp>
         <p:nvGrpSpPr>
-          <p:cNvPr id="402" name="Groupe"/>
+          <p:cNvPr id="403" name="Groupe"/>
           <p:cNvGrpSpPr/>
           <p:nvPr/>
         </p:nvGrpSpPr>
@@ -22058,7 +21879,7 @@
         </p:grpSpPr>
         <p:pic>
           <p:nvPicPr>
-            <p:cNvPr id="399" name="Image" descr="Image"/>
+            <p:cNvPr id="400" name="Image" descr="Image"/>
             <p:cNvPicPr>
               <a:picLocks noChangeAspect="1"/>
             </p:cNvPicPr>
@@ -22089,7 +21910,7 @@
         </p:pic>
         <p:pic>
           <p:nvPicPr>
-            <p:cNvPr id="400" name="Image" descr="Image"/>
+            <p:cNvPr id="401" name="Image" descr="Image"/>
             <p:cNvPicPr>
               <a:picLocks noChangeAspect="1"/>
             </p:cNvPicPr>
@@ -22120,7 +21941,7 @@
         </p:pic>
         <p:sp>
           <p:nvSpPr>
-            <p:cNvPr id="401" name="Architecture technologique"/>
+            <p:cNvPr id="402" name="Architecture technologique"/>
             <p:cNvSpPr txBox="1"/>
             <p:nvPr/>
           </p:nvSpPr>
@@ -22171,7 +21992,7 @@
       </p:grpSp>
       <p:sp>
         <p:nvSpPr>
-          <p:cNvPr id="403" name="Numéro de diapositive"/>
+          <p:cNvPr id="404" name="Numéro de diapositive"/>
           <p:cNvSpPr txBox="1"/>
           <p:nvPr>
             <p:ph type="sldNum" sz="quarter" idx="2"/>
@@ -22202,7 +22023,7 @@
       </p:sp>
       <p:graphicFrame>
         <p:nvGraphicFramePr>
-          <p:cNvPr id="404" name="Tableau"/>
+          <p:cNvPr id="405" name="Tableau"/>
           <p:cNvGraphicFramePr/>
           <p:nvPr/>
         </p:nvGraphicFramePr>
